--- a/NguyenvanBinh/ESP32.pptx
+++ b/NguyenvanBinh/ESP32.pptx
@@ -120,6 +120,11 @@
       </a:defRPr>
     </a:lvl9pPr>
   </p:defaultTextStyle>
+  <p:extLst>
+    <p:ext uri="{EFAFB233-063F-42B5-8137-9DF3F51BA10A}">
+      <p15:sldGuideLst xmlns:p15="http://schemas.microsoft.com/office/powerpoint/2012/main"/>
+    </p:ext>
+  </p:extLst>
 </p:presentation>
 </file>
 
@@ -254,7 +259,7 @@
           <a:p>
             <a:fld id="{AF2FAED0-4990-4D88-A24E-7CE9D25A5653}" type="datetimeFigureOut">
               <a:rPr lang="en-US" smtClean="0"/>
-              <a:t>6/29/2018</a:t>
+              <a:t>7/6/2018</a:t>
             </a:fld>
             <a:endParaRPr lang="en-US"/>
           </a:p>
@@ -424,7 +429,7 @@
           <a:p>
             <a:fld id="{AF2FAED0-4990-4D88-A24E-7CE9D25A5653}" type="datetimeFigureOut">
               <a:rPr lang="en-US" smtClean="0"/>
-              <a:t>6/29/2018</a:t>
+              <a:t>7/6/2018</a:t>
             </a:fld>
             <a:endParaRPr lang="en-US"/>
           </a:p>
@@ -604,7 +609,7 @@
           <a:p>
             <a:fld id="{AF2FAED0-4990-4D88-A24E-7CE9D25A5653}" type="datetimeFigureOut">
               <a:rPr lang="en-US" smtClean="0"/>
-              <a:t>6/29/2018</a:t>
+              <a:t>7/6/2018</a:t>
             </a:fld>
             <a:endParaRPr lang="en-US"/>
           </a:p>
@@ -774,7 +779,7 @@
           <a:p>
             <a:fld id="{AF2FAED0-4990-4D88-A24E-7CE9D25A5653}" type="datetimeFigureOut">
               <a:rPr lang="en-US" smtClean="0"/>
-              <a:t>6/29/2018</a:t>
+              <a:t>7/6/2018</a:t>
             </a:fld>
             <a:endParaRPr lang="en-US"/>
           </a:p>
@@ -1020,7 +1025,7 @@
           <a:p>
             <a:fld id="{AF2FAED0-4990-4D88-A24E-7CE9D25A5653}" type="datetimeFigureOut">
               <a:rPr lang="en-US" smtClean="0"/>
-              <a:t>6/29/2018</a:t>
+              <a:t>7/6/2018</a:t>
             </a:fld>
             <a:endParaRPr lang="en-US"/>
           </a:p>
@@ -1252,7 +1257,7 @@
           <a:p>
             <a:fld id="{AF2FAED0-4990-4D88-A24E-7CE9D25A5653}" type="datetimeFigureOut">
               <a:rPr lang="en-US" smtClean="0"/>
-              <a:t>6/29/2018</a:t>
+              <a:t>7/6/2018</a:t>
             </a:fld>
             <a:endParaRPr lang="en-US"/>
           </a:p>
@@ -1619,7 +1624,7 @@
           <a:p>
             <a:fld id="{AF2FAED0-4990-4D88-A24E-7CE9D25A5653}" type="datetimeFigureOut">
               <a:rPr lang="en-US" smtClean="0"/>
-              <a:t>6/29/2018</a:t>
+              <a:t>7/6/2018</a:t>
             </a:fld>
             <a:endParaRPr lang="en-US"/>
           </a:p>
@@ -1737,7 +1742,7 @@
           <a:p>
             <a:fld id="{AF2FAED0-4990-4D88-A24E-7CE9D25A5653}" type="datetimeFigureOut">
               <a:rPr lang="en-US" smtClean="0"/>
-              <a:t>6/29/2018</a:t>
+              <a:t>7/6/2018</a:t>
             </a:fld>
             <a:endParaRPr lang="en-US"/>
           </a:p>
@@ -1832,7 +1837,7 @@
           <a:p>
             <a:fld id="{AF2FAED0-4990-4D88-A24E-7CE9D25A5653}" type="datetimeFigureOut">
               <a:rPr lang="en-US" smtClean="0"/>
-              <a:t>6/29/2018</a:t>
+              <a:t>7/6/2018</a:t>
             </a:fld>
             <a:endParaRPr lang="en-US"/>
           </a:p>
@@ -2109,7 +2114,7 @@
           <a:p>
             <a:fld id="{AF2FAED0-4990-4D88-A24E-7CE9D25A5653}" type="datetimeFigureOut">
               <a:rPr lang="en-US" smtClean="0"/>
-              <a:t>6/29/2018</a:t>
+              <a:t>7/6/2018</a:t>
             </a:fld>
             <a:endParaRPr lang="en-US"/>
           </a:p>
@@ -2362,7 +2367,7 @@
           <a:p>
             <a:fld id="{AF2FAED0-4990-4D88-A24E-7CE9D25A5653}" type="datetimeFigureOut">
               <a:rPr lang="en-US" smtClean="0"/>
-              <a:t>6/29/2018</a:t>
+              <a:t>7/6/2018</a:t>
             </a:fld>
             <a:endParaRPr lang="en-US"/>
           </a:p>
@@ -2575,7 +2580,7 @@
           <a:p>
             <a:fld id="{AF2FAED0-4990-4D88-A24E-7CE9D25A5653}" type="datetimeFigureOut">
               <a:rPr lang="en-US" smtClean="0"/>
-              <a:t>6/29/2018</a:t>
+              <a:t>7/6/2018</a:t>
             </a:fld>
             <a:endParaRPr lang="en-US"/>
           </a:p>
@@ -3006,6 +3011,14 @@
               <a:rPr lang="vi-VN" dirty="0" smtClean="0"/>
               <a:t>ESP32</a:t>
             </a:r>
+            <a:r>
+              <a:rPr lang="en-US" smtClean="0"/>
+              <a:t>3</a:t>
+            </a:r>
+            <a:r>
+              <a:rPr lang="vi-VN" dirty="0" smtClean="0"/>
+              <a:t/>
+            </a:r>
             <a:br>
               <a:rPr lang="vi-VN" dirty="0" smtClean="0"/>
             </a:br>
